--- a/ApresentacaoAula23-05.pptx
+++ b/ApresentacaoAula23-05.pptx
@@ -11205,15 +11205,7 @@
           <a:p>
             <a:r>
               <a:rPr lang="pt-PT" sz="4000" dirty="0" smtClean="0"/>
-              <a:t> </a:t>
-            </a:r>
-            <a:r>
-              <a:rPr lang="pt-PT" sz="4000" dirty="0" smtClean="0"/>
-              <a:t>Como a </a:t>
-            </a:r>
-            <a:r>
-              <a:rPr lang="pt-PT" sz="4000" dirty="0" smtClean="0"/>
-              <a:t>APP estava a semana passada</a:t>
+              <a:t> Como a APP estava a semana passada</a:t>
             </a:r>
             <a:endParaRPr lang="pt-PT" sz="4000" dirty="0"/>
           </a:p>
@@ -12828,22 +12820,21 @@
       </p:sp>
       <p:pic>
         <p:nvPicPr>
-          <p:cNvPr id="3" name="Imagem 2"/>
+          <p:cNvPr id="2" name="Imagem 1"/>
           <p:cNvPicPr>
             <a:picLocks noChangeAspect="1"/>
           </p:cNvPicPr>
           <p:nvPr/>
         </p:nvPicPr>
-        <p:blipFill>
+        <p:blipFill rotWithShape="1">
           <a:blip r:embed="rId3"/>
-          <a:stretch>
-            <a:fillRect/>
-          </a:stretch>
+          <a:srcRect t="1432" r="575" b="688"/>
+          <a:stretch/>
         </p:blipFill>
         <p:spPr>
           <a:xfrm>
-            <a:off x="1448214" y="1430613"/>
-            <a:ext cx="6701873" cy="4314825"/>
+            <a:off x="1405555" y="1581086"/>
+            <a:ext cx="6633545" cy="4159313"/>
           </a:xfrm>
           <a:prstGeom prst="rect">
             <a:avLst/>
@@ -13845,15 +13836,7 @@
           <a:p>
             <a:r>
               <a:rPr lang="pt-PT" sz="4000" dirty="0" smtClean="0"/>
-              <a:t> </a:t>
-            </a:r>
-            <a:r>
-              <a:rPr lang="pt-PT" sz="4000" dirty="0" smtClean="0"/>
-              <a:t>Como esta a </a:t>
-            </a:r>
-            <a:r>
-              <a:rPr lang="pt-PT" sz="4000" dirty="0" smtClean="0"/>
-              <a:t>APP esta semana</a:t>
+              <a:t> Como esta a APP esta semana</a:t>
             </a:r>
             <a:endParaRPr lang="pt-PT" sz="4000" dirty="0"/>
           </a:p>
@@ -14974,11 +14957,7 @@
           <a:p>
             <a:r>
               <a:rPr lang="pt-PT" sz="4000" dirty="0" smtClean="0"/>
-              <a:t> </a:t>
-            </a:r>
-            <a:r>
-              <a:rPr lang="pt-PT" sz="4000" dirty="0" smtClean="0"/>
-              <a:t>O que falta fazer?</a:t>
+              <a:t> O que falta fazer?</a:t>
             </a:r>
             <a:endParaRPr lang="pt-PT" sz="4000" dirty="0"/>
           </a:p>
